--- a/Pizza_Resturant.pptx
+++ b/Pizza_Resturant.pptx
@@ -3462,11 +3462,17 @@
               <p:cNvGraphicFramePr>
                 <a:graphicFrameLocks noGrp="1"/>
               </p:cNvGraphicFramePr>
-              <p:nvPr/>
+              <p:nvPr>
+                <p:extLst>
+                  <p:ext uri="{D42A27DB-BD31-4B8C-83A1-F6EECF244321}">
+                    <p14:modId xmlns:p14="http://schemas.microsoft.com/office/powerpoint/2010/main" val="3346529145"/>
+                  </p:ext>
+                </p:extLst>
+              </p:nvPr>
             </p:nvGraphicFramePr>
             <p:xfrm>
-              <a:off x="721012" y="1170879"/>
-              <a:ext cx="10749976" cy="5335725"/>
+              <a:off x="-1" y="0"/>
+              <a:ext cx="12191999" cy="6857999"/>
             </p:xfrm>
             <a:graphic>
               <a:graphicData uri="http://schemas.microsoft.com/office/webextensions/webextension/2010/11">
@@ -3492,8 +3498,8 @@
             </p:blipFill>
             <p:spPr>
               <a:xfrm>
-                <a:off x="721012" y="1170879"/>
-                <a:ext cx="10749976" cy="5335725"/>
+                <a:off x="-1" y="0"/>
+                <a:ext cx="12191999" cy="6857999"/>
               </a:xfrm>
               <a:prstGeom prst="rect">
                 <a:avLst/>
@@ -3844,21 +3850,6 @@
 </file>
 
 <file path=customXml/item1.xml><?xml version="1.0" encoding="utf-8"?>
-<p:properties xmlns:p="http://schemas.microsoft.com/office/2006/metadata/properties" xmlns:xsi="http://www.w3.org/2001/XMLSchema-instance" xmlns:pc="http://schemas.microsoft.com/office/infopath/2007/PartnerControls">
-  <documentManagement/>
-</p:properties>
-</file>
-
-<file path=customXml/item2.xml><?xml version="1.0" encoding="utf-8"?>
-<?mso-contentType ?>
-<FormTemplates xmlns="http://schemas.microsoft.com/sharepoint/v3/contenttype/forms">
-  <Display>DocumentLibraryForm</Display>
-  <Edit>DocumentLibraryForm</Edit>
-  <New>DocumentLibraryForm</New>
-</FormTemplates>
-</file>
-
-<file path=customXml/item3.xml><?xml version="1.0" encoding="utf-8"?>
 <ct:contentTypeSchema xmlns:ct="http://schemas.microsoft.com/office/2006/metadata/contentType" xmlns:ma="http://schemas.microsoft.com/office/2006/metadata/properties/metaAttributes" ct:_="" ma:_="" ma:contentTypeName="Document" ma:contentTypeID="0x010100A848948286BBC34A9444351277DA7DBD" ma:contentTypeVersion="3" ma:contentTypeDescription="Create a new document." ma:contentTypeScope="" ma:versionID="f91693fa184ca58b2dfab07b3197b4ee">
   <xsd:schema xmlns:xsd="http://www.w3.org/2001/XMLSchema" xmlns:xs="http://www.w3.org/2001/XMLSchema" xmlns:p="http://schemas.microsoft.com/office/2006/metadata/properties" xmlns:ns3="461d1e4e-7615-4944-b016-d0ed040d8065" targetNamespace="http://schemas.microsoft.com/office/2006/metadata/properties" ma:root="true" ma:fieldsID="02af60f248baa04ca056c518b08ec0f8" ns3:_="">
     <xsd:import namespace="461d1e4e-7615-4944-b016-d0ed040d8065"/>
@@ -3996,31 +3987,22 @@
 </ct:contentTypeSchema>
 </file>
 
-<file path=customXml/itemProps1.xml><?xml version="1.0" encoding="utf-8"?>
-<ds:datastoreItem xmlns:ds="http://schemas.openxmlformats.org/officeDocument/2006/customXml" ds:itemID="{617AB1FA-2F28-4684-9230-02ACEB6C0B0A}">
-  <ds:schemaRefs>
-    <ds:schemaRef ds:uri="http://purl.org/dc/elements/1.1/"/>
-    <ds:schemaRef ds:uri="http://purl.org/dc/terms/"/>
-    <ds:schemaRef ds:uri="http://purl.org/dc/dcmitype/"/>
-    <ds:schemaRef ds:uri="http://schemas.microsoft.com/office/2006/metadata/properties"/>
-    <ds:schemaRef ds:uri="http://schemas.microsoft.com/office/2006/documentManagement/types"/>
-    <ds:schemaRef ds:uri="http://schemas.microsoft.com/office/infopath/2007/PartnerControls"/>
-    <ds:schemaRef ds:uri="http://schemas.openxmlformats.org/package/2006/metadata/core-properties"/>
-    <ds:schemaRef ds:uri="461d1e4e-7615-4944-b016-d0ed040d8065"/>
-    <ds:schemaRef ds:uri="http://www.w3.org/XML/1998/namespace"/>
-  </ds:schemaRefs>
-</ds:datastoreItem>
+<file path=customXml/item2.xml><?xml version="1.0" encoding="utf-8"?>
+<?mso-contentType ?>
+<FormTemplates xmlns="http://schemas.microsoft.com/sharepoint/v3/contenttype/forms">
+  <Display>DocumentLibraryForm</Display>
+  <Edit>DocumentLibraryForm</Edit>
+  <New>DocumentLibraryForm</New>
+</FormTemplates>
 </file>
 
-<file path=customXml/itemProps2.xml><?xml version="1.0" encoding="utf-8"?>
-<ds:datastoreItem xmlns:ds="http://schemas.openxmlformats.org/officeDocument/2006/customXml" ds:itemID="{E21AFCC0-734A-4A90-A597-A1CB34860DCD}">
-  <ds:schemaRefs>
-    <ds:schemaRef ds:uri="http://schemas.microsoft.com/sharepoint/v3/contenttype/forms"/>
-  </ds:schemaRefs>
-</ds:datastoreItem>
+<file path=customXml/item3.xml><?xml version="1.0" encoding="utf-8"?>
+<p:properties xmlns:p="http://schemas.microsoft.com/office/2006/metadata/properties" xmlns:xsi="http://www.w3.org/2001/XMLSchema-instance" xmlns:pc="http://schemas.microsoft.com/office/infopath/2007/PartnerControls">
+  <documentManagement/>
+</p:properties>
 </file>
 
-<file path=customXml/itemProps3.xml><?xml version="1.0" encoding="utf-8"?>
+<file path=customXml/itemProps1.xml><?xml version="1.0" encoding="utf-8"?>
 <ds:datastoreItem xmlns:ds="http://schemas.openxmlformats.org/officeDocument/2006/customXml" ds:itemID="{F9FF33E5-CC0D-40E7-BCA2-E58F3AB81109}">
   <ds:schemaRefs>
     <ds:schemaRef ds:uri="http://schemas.microsoft.com/office/2006/metadata/contentType"/>
@@ -4036,4 +4018,28 @@
     <ds:schemaRef ds:uri="http://schemas.microsoft.com/internal/obd"/>
   </ds:schemaRefs>
 </ds:datastoreItem>
+</file>
+
+<file path=customXml/itemProps2.xml><?xml version="1.0" encoding="utf-8"?>
+<ds:datastoreItem xmlns:ds="http://schemas.openxmlformats.org/officeDocument/2006/customXml" ds:itemID="{E21AFCC0-734A-4A90-A597-A1CB34860DCD}">
+  <ds:schemaRefs>
+    <ds:schemaRef ds:uri="http://schemas.microsoft.com/sharepoint/v3/contenttype/forms"/>
+  </ds:schemaRefs>
+</ds:datastoreItem>
+</file>
+
+<file path=customXml/itemProps3.xml><?xml version="1.0" encoding="utf-8"?>
+<ds:datastoreItem xmlns:ds="http://schemas.openxmlformats.org/officeDocument/2006/customXml" ds:itemID="{617AB1FA-2F28-4684-9230-02ACEB6C0B0A}">
+  <ds:schemaRefs>
+    <ds:schemaRef ds:uri="http://purl.org/dc/elements/1.1/"/>
+    <ds:schemaRef ds:uri="http://purl.org/dc/terms/"/>
+    <ds:schemaRef ds:uri="http://purl.org/dc/dcmitype/"/>
+    <ds:schemaRef ds:uri="http://schemas.microsoft.com/office/2006/metadata/properties"/>
+    <ds:schemaRef ds:uri="http://schemas.microsoft.com/office/2006/documentManagement/types"/>
+    <ds:schemaRef ds:uri="http://schemas.microsoft.com/office/infopath/2007/PartnerControls"/>
+    <ds:schemaRef ds:uri="http://schemas.openxmlformats.org/package/2006/metadata/core-properties"/>
+    <ds:schemaRef ds:uri="461d1e4e-7615-4944-b016-d0ed040d8065"/>
+    <ds:schemaRef ds:uri="http://www.w3.org/XML/1998/namespace"/>
+  </ds:schemaRefs>
+</ds:datastoreItem>
 </file>
--- a/Pizza_Resturant.pptx
+++ b/Pizza_Resturant.pptx
@@ -3828,21 +3828,21 @@
   <we:alternateReferences/>
   <we:properties>
     <we:property name="Microsoft.Office.CampaignId" value="&quot;none&quot;"/>
+    <we:property name="backgroundColor" value="&quot;#FBFBFB&quot;"/>
+    <we:property name="bookmark" value="&quot;H4sIAAAAAAAAA+1ZS2/bOBD+K4EuvRgFHxIp5tamPRTbdIOk28siKIbkyFYrS4Yku3nA/71DyU7jNl51jcZxgR4MWxzq48xwvuEMfRv5vJkVcP0OphgdRy+r6vMU6s9HPBpF5eaY5tJBmlnBMNaQxg60oFnVrM2rsomOb6MW6jG2H/JmDkUApMF/L0cRFMUZjMNTBkWDo2iGdVOVUOQ32E8mUVvPcTmK8GpWVDUEyIsWWgywC5pOz6QKfy5pRXBtvsALdG0/eo6zqm7Xz6Oo6X91Km3KAli34ElVtpCXBBzGjOTADJNKp9Ib5xyXMoxnedGuptjr11ezmuwhK69nwS0v/AJKhz7qlK6xaVYrnCI087rT/PWG4KKa1w7PMetEZZu314Qzy29u4GMDBTloSR44qyvyTyd6X7VQHJ3jAss5dsJJ9eWkRvKLj47ZcrRPZV4sxkd/1x7row9QPL06vW/OwoTm6KIq/GEo1HmoeWpdwl6tXHNGG9Yp9YBOlzTS5OW4WNHwGz/e96o6qP1KRES3n4hGgQ30WhUgX153hHiV12t+idF3qj8eGUh7mqAZciszCQyNRetQ+SQg/qdZzQToe8OigOWU4oapFGOj6Yd0HoaxWrxqbXX1I5qIneY+s+CcUCiFB+F2R4stmNRlzDLPuLRMQGIG0fIppd0fsVJtMuO9d4lTnGvtnRC7+oynkjGdpYyyJyQJUzFTg6nzhAJwXNW56+JqkwQnVTGflr8gXvpc9Qqun5qMA4lhmISdR04mULc/yUL+PQsfxanLy/VRTBM+3TtzV9vbq/UoS3fUn+TjSUGftotdLNbW06IeWjiFWRDcQ3z+DSJMahxhv/G9f6YzqPNm7a310195GfZoFL3FrH3E6Dxfm/E2J9b0MdCfssfRs4t/3j0L7l52oTLFFoJ5ZMKGbRtRdhn2pqfgNz1P7968vRfrzSPuEqVUcBP0nSlvWpz2i+UeA1KOze+6D6NoEUZXIcZISsI+LkN+xURmRjJr0LNEYUpZe9f86h0daXFihdeckJAxpw+nNP2JamePuf6UivrJLhkWaO4h5de1IU+SYdeL97GsLUfjbcx4wrRULgGb7hrLidWeK6ZTdDw2yqNVflcsgUDdmpaJNLE2SYxC8V2xskxTicYZY0niJKfGViSHUcP0Irfe7YMoZLa3o4M881U5b/8P0fbaTuyVaz/sbE83ybiTWkujRGplbCyk6eGk+5+5idgjL5r85k8Y/kJH9iEIPHSuwGO0VtA3Szj7kw13u4AaDMVsXpZ4MJcrm8YcRkZ0mUpFYljKFAAkPPa480FvQCNBCdCaM8c1nfNyEGvrlQxPhHeGOSGMNFSgC2aGr2S2ohluTCrSmCMXiikrjMHd0dI09VQhqVgxK6mwYTGPd0ezWjiesUQKJtNQvlFr85ukhEEGNkXusN6wmXrsetw5f9Vo30azfsmuZSV55TsxdiY/3C2+ojd89aW8a92XW9jUvfGLu/AtXEozCVpQ3c20k0olCUuGm8m97GOX8T768IfPAe3hS2y/IPZbOIry5k25IAD0F+vLptNhkPC/1r0Q2HtHueHZrSn9MYJwY+U+ADOjUVArGdvEeE0NpfHDN88zGOM7WORjaKv6gcTprctETMg2dgkzCefDiXMA0yohMtRUjZO6gnmvcFjPLbftxhqymKvUC6G5QCb58KGzBUto5hBTqRhDqs8IL91Rrw7uIbpU87aZgcMzKPEB2lCkQ+nRD0R990fvXdgvl18BOI0RJmgeAAA=&quot;"/>
+    <we:property name="creatorSessionId" value="&quot;4b0b624e-447a-43c8-8bb9-5b4347f8f38b&quot;"/>
+    <we:property name="creatorTenantId" value="&quot;24f92b38-aaa7-425c-8258-88112d02f424&quot;"/>
+    <we:property name="creatorUserId" value="&quot;10032002E6B8B541&quot;"/>
+    <we:property name="datasetId" value="&quot;e935511c-d762-406f-a801-5b7369714bf2&quot;"/>
+    <we:property name="embedUrl" value="&quot;/reportEmbed?reportId=63a7034b-c547-4302-88cf-5d64e7054504&amp;config=eyJjbHVzdGVyVXJsIjoiaHR0cHM6Ly9XQUJJLVNPVVRILUFGUklDQS1OT1JUSC1BLVBSSU1BUlktcmVkaXJlY3QuYW5hbHlzaXMud2luZG93cy5uZXQiLCJlbWJlZEZlYXR1cmVzIjp7InVzYWdlTWV0cmljc1ZOZXh0Ijp0cnVlfX0%3D&amp;disableSensitivityBanner=true&quot;"/>
+    <we:property name="initialStateBookmark" value="&quot;H4sIAAAAAAAAA+1ZS2/bOBD+K4EuvRgLPkRSzC2vw6KbB5Kil0UQDMmRo1aRDEl2HkX++44kG1s3ySoVGscL9GSLQ32cGc43nKG+RSGrZzncn8ANRrvRfll+vYHq6w6PJlGxHDs9/Xi8d/7x6mTv+IiGy1mTlUUd7X6LGqim2HzO6jnkLQIN/n05iSDPz2DaPqWQ1ziJZljVZQF59oD9ZBI11RwfJxHezfKyghbyooEGW9gFTadnWpv/IWlF8E22wAv0TT96jrOyalbPk6ju/3UqrctasG7Bg7JoICsIuB2zkgOzTGqTyGC991zKdjzN8mY5xd0f3c0qsoesvJ+1ftgLCyg8hqhTusK6Xq5wjFDPq07zozXBRTmvPJ5j2omKJmvuCWeWPTzAVQ05OeiRPHBWleSfTvSpbCDfOccFFnPshNfl7UGF5JcQ7bLHySaV2VtMd06rgNXOZ8jfX53eN2fthHrnoszDdijUeah+b13avVq65ow2rFPqGZ0uaaTOimm+pOG//PjUq+qhCksREd19IRq1bKDXyhZy/74jxGFWrfglJj+o/nZkIO1pgmHInUwlMLQOnUcdVIv4n2bV10C/axa1WF5rbplOMLaG/kgfYBirwbvGlXdP0UTsDQ+pA++FRikCCD8eLXZgE58yxwLj0jEByg6iZTeUdp9iJcamNoTgldecGxO8EGN9xhPJmEkTRtkTlGI6ZnowdR5QAE7LKvNdXK2T4KDM5zfFL4iXPlcdwv17k3EgMQyTsPPIwTVUzStZyH9k4Zs49fFydRTThC/fnbnL7e3VepOlL/s4RiVTK5mzGJjSmBA7xsZx8JQ6YuVEMJyQkDFvtqcEeMWpskFOHVPxdD0mkoHmblMcrwx5l0heLd7HsnEcbXAx44oZqb0Cl4yNZeVM4JqZBD2PrQ7odBiLJRCoKjZSSRsbq2IUmo/FSlNDRyFnjCnlJY89CLUdZ0Uv8qvd3ooD4+Wyf5BnoSzmzc8QbaNl20a59mRne7pJxr00RlotEidj6yBJtifdv6bj2yAvaurTf4fhr3NkH4LA2w4BeIzOCfplirPf2XBcoz8Yium8KHBrmth1Y7YjI/pUJ0JZljANAIrHAUcf9BYMEpQAYzjz3NA5L8e3vlyJ4C2jJtVKSwW6YHa49X0RzXJrE5HEHLnQTDthLY5HS5IkUIWkY80cNcKMxTwej+aM8DxlSgomk7Z8o9bmf5ISBhlY55nHas3m6Aaraef8AA10Ns36JTPs5WXoxNiZ/C36KyM39Nj9HeRu9OGQ3gjlbfGhZdLyUuhZNnVv1BvhUpJKMILqbma81FoppoabyY3sY5fxrkJ7sb5Fe7iPzS1iv4WTKKv/LBYEgOEC834Dj4dB2u8H34XAxjvKNc++mNLfIgjXVu4DMLUGBbWSsVM2GGoobRi+4ZvBFE9gkU2hKatnEmdwPhUxIbvYK2YV58OJcwDTaSFSNFSNk7qChaBxWM8XbjWts2Qx10kQwnCBTPLhQ+cFLGGYR0ykZgypPiO8ZKReHdxzdCnnTT0Dj2dQ4DO0oUiHImAYiPrug1pPG9Ilc/lP0eTx8R+y8Ikr8RsAAA==&quot;"/>
+    <we:property name="isFiltersActionButtonVisible" value="true"/>
+    <we:property name="pageDisplayName" value="&quot;Home&quot;"/>
+    <we:property name="pageName" value="&quot;ReportSection&quot;"/>
+    <we:property name="reportEmbeddedTime" value="&quot;2023-10-06T21:19:30.922Z&quot;"/>
+    <we:property name="reportName" value="&quot;Power Bi Final&quot;"/>
+    <we:property name="reportState" value="&quot;CONNECTED&quot;"/>
     <we:property name="reportUrl" value="&quot;/groups/me/reports/63a7034b-c547-4302-88cf-5d64e7054504/ReportSection?bookmarkGuid=b814c424-a361-42d0-911b-5ec5a037403a&amp;bookmarkUsage=1&amp;ctid=24f92b38-aaa7-425c-8258-88112d02f424&amp;fromEntryPoint=export&quot;"/>
-    <we:property name="reportState" value="&quot;CONNECTED&quot;"/>
-    <we:property name="reportEmbeddedTime" value="&quot;2023-10-06T21:19:30.922Z&quot;"/>
-    <we:property name="creatorSessionId" value="&quot;4b0b624e-447a-43c8-8bb9-5b4347f8f38b&quot;"/>
-    <we:property name="creatorUserId" value="&quot;10032002E6B8B541&quot;"/>
-    <we:property name="creatorTenantId" value="&quot;24f92b38-aaa7-425c-8258-88112d02f424&quot;"/>
-    <we:property name="reportName" value="&quot;Power Bi Final&quot;"/>
-    <we:property name="isFiltersActionButtonVisible" value="true"/>
-    <we:property name="initialStateBookmark" value="&quot;H4sIAAAAAAAAA+1ZS2/bOBD+K4EuvRgLPkRSzC2vw6KbB5Kil0UQDMmRo1aRDEl2HkX++44kG1s3ySoVGscL9GSLQ32cGc43nKG+RSGrZzncn8ANRrvRfll+vYHq6w6PJlGxHDs9/Xi8d/7x6mTv+IiGy1mTlUUd7X6LGqim2HzO6jnkLQIN/n05iSDPz2DaPqWQ1ziJZljVZQF59oD9ZBI11RwfJxHezfKyghbyooEGW9gFTadnWpv/IWlF8E22wAv0TT96jrOyalbPk6ju/3UqrctasG7Bg7JoICsIuB2zkgOzTGqTyGC991zKdjzN8mY5xd0f3c0qsoesvJ+1ftgLCyg8hqhTusK6Xq5wjFDPq07zozXBRTmvPJ5j2omKJmvuCWeWPTzAVQ05OeiRPHBWleSfTvSpbCDfOccFFnPshNfl7UGF5JcQ7bLHySaV2VtMd06rgNXOZ8jfX53eN2fthHrnoszDdijUeah+b13avVq65ow2rFPqGZ0uaaTOimm+pOG//PjUq+qhCksREd19IRq1bKDXyhZy/74jxGFWrfglJj+o/nZkIO1pgmHInUwlMLQOnUcdVIv4n2bV10C/axa1WF5rbplOMLaG/kgfYBirwbvGlXdP0UTsDQ+pA++FRikCCD8eLXZgE58yxwLj0jEByg6iZTeUdp9iJcamNoTgldecGxO8EGN9xhPJmEkTRtkTlGI6ZnowdR5QAE7LKvNdXK2T4KDM5zfFL4iXPlcdwv17k3EgMQyTsPPIwTVUzStZyH9k4Zs49fFydRTThC/fnbnL7e3VepOlL/s4RiVTK5mzGJjSmBA7xsZx8JQ6YuVEMJyQkDFvtqcEeMWpskFOHVPxdD0mkoHmblMcrwx5l0heLd7HsnEcbXAx44oZqb0Cl4yNZeVM4JqZBD2PrQ7odBiLJRCoKjZSSRsbq2IUmo/FSlNDRyFnjCnlJY89CLUdZ0Uv8qvd3ooD4+Wyf5BnoSzmzc8QbaNl20a59mRne7pJxr00RlotEidj6yBJtifdv6bj2yAvaurTf4fhr3NkH4LA2w4BeIzOCfplirPf2XBcoz8Yium8KHBrmth1Y7YjI/pUJ0JZljANAIrHAUcf9BYMEpQAYzjz3NA5L8e3vlyJ4C2jJtVKSwW6YHa49X0RzXJrE5HEHLnQTDthLY5HS5IkUIWkY80cNcKMxTwej+aM8DxlSgomk7Z8o9bmf5ISBhlY55nHas3m6Aaraef8AA10Ns36JTPs5WXoxNiZ/C36KyM39Nj9HeRu9OGQ3gjlbfGhZdLyUuhZNnVv1BvhUpJKMILqbma81FoppoabyY3sY5fxrkJ7sb5Fe7iPzS1iv4WTKKv/LBYEgOEC834Dj4dB2u8H34XAxjvKNc++mNLfIgjXVu4DMLUGBbWSsVM2GGoobRi+4ZvBFE9gkU2hKatnEmdwPhUxIbvYK2YV58OJcwDTaSFSNFSNk7qChaBxWM8XbjWts2Qx10kQwnCBTPLhQ+cFLGGYR0ykZgypPiO8ZKReHdxzdCnnTT0Dj2dQ4DO0oUiHImAYiPrug1pPG9Ilc/lP0eTx8R+y8Ikr8RsAAA==&quot;"/>
-    <we:property name="bookmark" value="&quot;H4sIAAAAAAAAA+1ZS2/bOBD+K4EuvRgLPsRXbk3SwwKbbpAUvRRBMSRHjlpFMiTZeRT57zuSnN26SVZZoXG8QE+2ONTHmeF8wxnqWxLzZlHAzXu4xGQ/Oaiqr5dQf93jySwpN8eCE0aiZcamGL0IghtNs6pFm1dlk+x/S1qo59h+zJslFB0gDX46nyVQFCcw754yKBqcJQusm6qEIr/FYTKJ2nqJd7MErxdFVUMHedZCix3siqbTM6nCf5O0IoQ2X+EZhnYYPcVFVbf3z7OkGf71Km3KOrB+wcOqbCEvCbgbc5IDc0xqY2V0IQQuZTee5UW7nuJv3l0varKHrLxZdG55G1dQBoxJr3SNTbNe4RihWda95u82BGfVsg54ilkvKtu8vSGcRX57C58bKMhBd+SBk7oi//SiD1ULxd4prrBcYi+8qK4OayS/xGSf3c22qczb1XzvzzpivfcRitdXZ/DNSTeh2TurirgbCvUeal5bl26v1q45oQ3rlXpEp3MaafJyXqxp+A8/PgyqBqjjWkRE91+IRh0b6LWqgzy46QlxlNf3/BKzH1R/OTKQ9jTBMOReZhIYOo8+oI6qQ/xXs5oLoN8NizqsoDV3TFtMnaE/MkQYx2rxuvXV9UM0kQbDY+YhBKFRiggiTEdLPTgbMuZZZFx6JkC5UbT8ktLuQyxrXOZijEEFzbkxMQgx1WfcSsZMZhllT1CK6ZTp0dR5SAE4r+o89HG1SYLDqlhelj8hXoZcdQQ3r03GkcQwTsLeI4cXULfPZCH/kYUv4tS78/ujmCZ8+e7MXW/voNaLLH0+xDEqmTnJvMPIlKbSxLOpcRwDpY5UeRENJyRkLJjdKQGecapskVPHVDxdTIlkoLm7FMf3hrxKJN8vPsSy8Rxd9CnjihmpgwJvp8ay8iZyTXU6Bp46HdHrOBVLIFBVbKSSLjVOpSg0n4qVZYaOQs4YUypIngYQajfOikEU7nd7Jw6Mp8v+UZ7Fqly2/4VoWy3btsq1Bzs70E0yHqQx0mlhvUydB2t3J90/p+PbIi8a6tN/heHPc+QQgsC7DgF4it4L+mWKs1/ZcFqjPxqK2bIscWea2E1jdiMjhkxboRyzTAOA4mnEyQe9A4MEJcAYzgI3dM7L6a0vVyIGx6hJddJRgS6YG299n0Rz3DkrbMqRC820F87hdDRrbaQKSaeaeWqEGUt5Oh3NGxF4xpQUTNqufKPW5n+SEkYZ2BR5wHrD5uQS63nv/Agt9DYthiVzHORV7MXYm/wt+SMnNwzYwx3kfvLmiN6I1VX5pmPS+lLoUTb1bzRb4ZLNJBhBdTczQWqtFFPjzeRW9rHPeJ9jd7G+Q3t4gO0V4rCFsyRvfi9XBIDxDIthA4/HQbrvB9+FwNY7yg3PPpnSXyIIN1YeAjBzBgW1kqlXLhpqKF0cv+FbwBzfwyqfQ1vVjyTO6EMmUkL2aVDMKc7HE+cIptdCZGioGid1BYtR47ieT9xqOu/IYq5tFMJwgUzy8UPnCSxhWEC0UjOGVJ8Rnp2oVw/3GF2qZdssIOAJlPgIbSjSoYwYR6K+/6D2d9jf3f0FM6/ht9AbAAA=&quot;"/>
-    <we:property name="embedUrl" value="&quot;/reportEmbed?reportId=63a7034b-c547-4302-88cf-5d64e7054504&amp;config=eyJjbHVzdGVyVXJsIjoiaHR0cHM6Ly9XQUJJLVNPVVRILUFGUklDQS1OT1JUSC1BLVBSSU1BUlktcmVkaXJlY3QuYW5hbHlzaXMud2luZG93cy5uZXQiLCJlbWJlZEZlYXR1cmVzIjp7InVzYWdlTWV0cmljc1ZOZXh0Ijp0cnVlfX0%3D&amp;disableSensitivityBanner=true&quot;"/>
-    <we:property name="datasetId" value="&quot;e935511c-d762-406f-a801-5b7369714bf2&quot;"/>
-    <we:property name="pageName" value="&quot;ReportSection&quot;"/>
-    <we:property name="pageDisplayName" value="&quot;Home&quot;"/>
-    <we:property name="backgroundColor" value="&quot;#FBFBFB&quot;"/>
   </we:properties>
   <we:bindings/>
   <we:snapshot xmlns:r="http://schemas.openxmlformats.org/officeDocument/2006/relationships" r:embed="rId1"/>
@@ -3850,6 +3850,21 @@
 </file>
 
 <file path=customXml/item1.xml><?xml version="1.0" encoding="utf-8"?>
+<p:properties xmlns:p="http://schemas.microsoft.com/office/2006/metadata/properties" xmlns:xsi="http://www.w3.org/2001/XMLSchema-instance" xmlns:pc="http://schemas.microsoft.com/office/infopath/2007/PartnerControls">
+  <documentManagement/>
+</p:properties>
+</file>
+
+<file path=customXml/item2.xml><?xml version="1.0" encoding="utf-8"?>
+<?mso-contentType ?>
+<FormTemplates xmlns="http://schemas.microsoft.com/sharepoint/v3/contenttype/forms">
+  <Display>DocumentLibraryForm</Display>
+  <Edit>DocumentLibraryForm</Edit>
+  <New>DocumentLibraryForm</New>
+</FormTemplates>
+</file>
+
+<file path=customXml/item3.xml><?xml version="1.0" encoding="utf-8"?>
 <ct:contentTypeSchema xmlns:ct="http://schemas.microsoft.com/office/2006/metadata/contentType" xmlns:ma="http://schemas.microsoft.com/office/2006/metadata/properties/metaAttributes" ct:_="" ma:_="" ma:contentTypeName="Document" ma:contentTypeID="0x010100A848948286BBC34A9444351277DA7DBD" ma:contentTypeVersion="3" ma:contentTypeDescription="Create a new document." ma:contentTypeScope="" ma:versionID="f91693fa184ca58b2dfab07b3197b4ee">
   <xsd:schema xmlns:xsd="http://www.w3.org/2001/XMLSchema" xmlns:xs="http://www.w3.org/2001/XMLSchema" xmlns:p="http://schemas.microsoft.com/office/2006/metadata/properties" xmlns:ns3="461d1e4e-7615-4944-b016-d0ed040d8065" targetNamespace="http://schemas.microsoft.com/office/2006/metadata/properties" ma:root="true" ma:fieldsID="02af60f248baa04ca056c518b08ec0f8" ns3:_="">
     <xsd:import namespace="461d1e4e-7615-4944-b016-d0ed040d8065"/>
@@ -3987,22 +4002,31 @@
 </ct:contentTypeSchema>
 </file>
 
-<file path=customXml/item2.xml><?xml version="1.0" encoding="utf-8"?>
-<?mso-contentType ?>
-<FormTemplates xmlns="http://schemas.microsoft.com/sharepoint/v3/contenttype/forms">
-  <Display>DocumentLibraryForm</Display>
-  <Edit>DocumentLibraryForm</Edit>
-  <New>DocumentLibraryForm</New>
-</FormTemplates>
+<file path=customXml/itemProps1.xml><?xml version="1.0" encoding="utf-8"?>
+<ds:datastoreItem xmlns:ds="http://schemas.openxmlformats.org/officeDocument/2006/customXml" ds:itemID="{617AB1FA-2F28-4684-9230-02ACEB6C0B0A}">
+  <ds:schemaRefs>
+    <ds:schemaRef ds:uri="http://purl.org/dc/elements/1.1/"/>
+    <ds:schemaRef ds:uri="http://purl.org/dc/terms/"/>
+    <ds:schemaRef ds:uri="http://purl.org/dc/dcmitype/"/>
+    <ds:schemaRef ds:uri="http://schemas.microsoft.com/office/2006/metadata/properties"/>
+    <ds:schemaRef ds:uri="http://schemas.microsoft.com/office/2006/documentManagement/types"/>
+    <ds:schemaRef ds:uri="http://schemas.microsoft.com/office/infopath/2007/PartnerControls"/>
+    <ds:schemaRef ds:uri="http://schemas.openxmlformats.org/package/2006/metadata/core-properties"/>
+    <ds:schemaRef ds:uri="461d1e4e-7615-4944-b016-d0ed040d8065"/>
+    <ds:schemaRef ds:uri="http://www.w3.org/XML/1998/namespace"/>
+  </ds:schemaRefs>
+</ds:datastoreItem>
 </file>
 
-<file path=customXml/item3.xml><?xml version="1.0" encoding="utf-8"?>
-<p:properties xmlns:p="http://schemas.microsoft.com/office/2006/metadata/properties" xmlns:xsi="http://www.w3.org/2001/XMLSchema-instance" xmlns:pc="http://schemas.microsoft.com/office/infopath/2007/PartnerControls">
-  <documentManagement/>
-</p:properties>
+<file path=customXml/itemProps2.xml><?xml version="1.0" encoding="utf-8"?>
+<ds:datastoreItem xmlns:ds="http://schemas.openxmlformats.org/officeDocument/2006/customXml" ds:itemID="{E21AFCC0-734A-4A90-A597-A1CB34860DCD}">
+  <ds:schemaRefs>
+    <ds:schemaRef ds:uri="http://schemas.microsoft.com/sharepoint/v3/contenttype/forms"/>
+  </ds:schemaRefs>
+</ds:datastoreItem>
 </file>
 
-<file path=customXml/itemProps1.xml><?xml version="1.0" encoding="utf-8"?>
+<file path=customXml/itemProps3.xml><?xml version="1.0" encoding="utf-8"?>
 <ds:datastoreItem xmlns:ds="http://schemas.openxmlformats.org/officeDocument/2006/customXml" ds:itemID="{F9FF33E5-CC0D-40E7-BCA2-E58F3AB81109}">
   <ds:schemaRefs>
     <ds:schemaRef ds:uri="http://schemas.microsoft.com/office/2006/metadata/contentType"/>
@@ -4018,28 +4042,4 @@
     <ds:schemaRef ds:uri="http://schemas.microsoft.com/internal/obd"/>
   </ds:schemaRefs>
 </ds:datastoreItem>
-</file>
-
-<file path=customXml/itemProps2.xml><?xml version="1.0" encoding="utf-8"?>
-<ds:datastoreItem xmlns:ds="http://schemas.openxmlformats.org/officeDocument/2006/customXml" ds:itemID="{E21AFCC0-734A-4A90-A597-A1CB34860DCD}">
-  <ds:schemaRefs>
-    <ds:schemaRef ds:uri="http://schemas.microsoft.com/sharepoint/v3/contenttype/forms"/>
-  </ds:schemaRefs>
-</ds:datastoreItem>
-</file>
-
-<file path=customXml/itemProps3.xml><?xml version="1.0" encoding="utf-8"?>
-<ds:datastoreItem xmlns:ds="http://schemas.openxmlformats.org/officeDocument/2006/customXml" ds:itemID="{617AB1FA-2F28-4684-9230-02ACEB6C0B0A}">
-  <ds:schemaRefs>
-    <ds:schemaRef ds:uri="http://purl.org/dc/elements/1.1/"/>
-    <ds:schemaRef ds:uri="http://purl.org/dc/terms/"/>
-    <ds:schemaRef ds:uri="http://purl.org/dc/dcmitype/"/>
-    <ds:schemaRef ds:uri="http://schemas.microsoft.com/office/2006/metadata/properties"/>
-    <ds:schemaRef ds:uri="http://schemas.microsoft.com/office/2006/documentManagement/types"/>
-    <ds:schemaRef ds:uri="http://schemas.microsoft.com/office/infopath/2007/PartnerControls"/>
-    <ds:schemaRef ds:uri="http://schemas.openxmlformats.org/package/2006/metadata/core-properties"/>
-    <ds:schemaRef ds:uri="461d1e4e-7615-4944-b016-d0ed040d8065"/>
-    <ds:schemaRef ds:uri="http://www.w3.org/XML/1998/namespace"/>
-  </ds:schemaRefs>
-</ds:datastoreItem>
 </file>
--- a/Pizza_Resturant.pptx
+++ b/Pizza_Resturant.pptx
@@ -3829,7 +3829,7 @@
   <we:properties>
     <we:property name="Microsoft.Office.CampaignId" value="&quot;none&quot;"/>
     <we:property name="backgroundColor" value="&quot;#FBFBFB&quot;"/>
-    <we:property name="bookmark" value="&quot;H4sIAAAAAAAAA+1ZS2/bOBD+K4EuvRgFHxIp5tamPRTbdIOk28siKIbkyFYrS4Yku3nA/71DyU7jNl51jcZxgR4MWxzq48xwvuEMfRv5vJkVcP0OphgdRy+r6vMU6s9HPBpF5eaY5tJBmlnBMNaQxg60oFnVrM2rsomOb6MW6jG2H/JmDkUApMF/L0cRFMUZjMNTBkWDo2iGdVOVUOQ32E8mUVvPcTmK8GpWVDUEyIsWWgywC5pOz6QKfy5pRXBtvsALdG0/eo6zqm7Xz6Oo6X91Km3KAli34ElVtpCXBBzGjOTADJNKp9Ib5xyXMoxnedGuptjr11ezmuwhK69nwS0v/AJKhz7qlK6xaVYrnCI087rT/PWG4KKa1w7PMetEZZu314Qzy29u4GMDBTloSR44qyvyTyd6X7VQHJ3jAss5dsJJ9eWkRvKLj47ZcrRPZV4sxkd/1x7row9QPL06vW/OwoTm6KIq/GEo1HmoeWpdwl6tXHNGG9Yp9YBOlzTS5OW4WNHwGz/e96o6qP1KRES3n4hGgQ30WhUgX153hHiV12t+idF3qj8eGUh7mqAZciszCQyNRetQ+SQg/qdZzQToe8OigOWU4oapFGOj6Yd0HoaxWrxqbXX1I5qIneY+s+CcUCiFB+F2R4stmNRlzDLPuLRMQGIG0fIppd0fsVJtMuO9d4lTnGvtnRC7+oynkjGdpYyyJyQJUzFTg6nzhAJwXNW56+JqkwQnVTGflr8gXvpc9Qqun5qMA4lhmISdR04mULc/yUL+PQsfxanLy/VRTBM+3TtzV9vbq/UoS3fUn+TjSUGftotdLNbW06IeWjiFWRDcQ3z+DSJMahxhv/G9f6YzqPNm7a310195GfZoFL3FrH3E6Dxfm/E2J9b0MdCfssfRs4t/3j0L7l52oTLFFoJ5ZMKGbRtRdhn2pqfgNz1P7968vRfrzSPuEqVUcBP0nSlvWpz2i+UeA1KOze+6D6NoEUZXIcZISsI+LkN+xURmRjJr0LNEYUpZe9f86h0daXFihdeckJAxpw+nNP2JamePuf6UivrJLhkWaO4h5de1IU+SYdeL97GsLUfjbcx4wrRULgGb7hrLidWeK6ZTdDw2yqNVflcsgUDdmpaJNLE2SYxC8V2xskxTicYZY0niJKfGViSHUcP0Irfe7YMoZLa3o4M881U5b/8P0fbaTuyVaz/sbE83ybiTWkujRGplbCyk6eGk+5+5idgjL5r85k8Y/kJH9iEIPHSuwGO0VtA3Szj7kw13u4AaDMVsXpZ4MJcrm8YcRkZ0mUpFYljKFAAkPPa480FvQCNBCdCaM8c1nfNyEGvrlQxPhHeGOSGMNFSgC2aGr2S2ohluTCrSmCMXiikrjMHd0dI09VQhqVgxK6mwYTGPd0ezWjiesUQKJtNQvlFr85ukhEEGNkXusN6wmXrsetw5f9Vo30azfsmuZSV55TsxdiY/3C2+ojd89aW8a92XW9jUvfGLu/AtXEozCVpQ3c20k0olCUuGm8m97GOX8T768IfPAe3hS2y/IPZbOIry5k25IAD0F+vLptNhkPC/1r0Q2HtHueHZrSn9MYJwY+U+ADOjUVArGdvEeE0NpfHDN88zGOM7WORjaKv6gcTprctETMg2dgkzCefDiXMA0yohMtRUjZO6gnmvcFjPLbftxhqymKvUC6G5QCb58KGzBUto5hBTqRhDqs8IL91Rrw7uIbpU87aZgcMzKPEB2lCkQ+nRD0R990fvXdgvl18BOI0RJmgeAAA=&quot;"/>
+    <we:property name="bookmark" value="&quot;H4sIAAAAAAAAA+1ZS2/cNhD+K4YuuSwKPsSXb7GdQ4E6Newgl8IIhuRorUSWFpJ2/Qj83zuS1m03titXsNdbIKeVSOrjcPh9wxnu9yTmzaKAm49wicl+clBV3y6h/rbHk1lSbrZJDY5zHpyXUgiRcgaRRlWLNq/KJtn/nrRQz7H9nDdLKDpAavzjfJZAUZzAvHvLoGhwliywbqoSivwWh8HU1dZLvJsleL0oqho6yLMWWuxgVzSc3skU/oukGSG0+QrPMLRD6ykuqrq9f58lzfDUm7TZ14H1Ex5WZQt5ScBdm5McmGNSGyujCyFwKbv2LC/a9RB/8+F6UdN6aJU3i84t7+MKyoCdC8joGptmPcMxQrOse8s/bHScVcs64ClmfVfZ5u0N4Szy21v40kBBDrojD5zUFfmn7/pUtVDsneIKyyX2nRfV1WGN5JeY7LO72TaNeb+a7/1eR6z3PkPx9uYMvjnpBjR7Z1URd8Og3kPNW9vS7dXaNSe0Yb1Rj9h0Ti1NXs6LtQz/1senwdQAdVx3kdD9V5JRpwb6rOogD256QRzl9b2+xOwH019PDGQ9DTAMuZeZBIbOow+oo+oQ/3VZzQXQ78aKOqygNXdMW0ydoQcZIoxjtXjd+ur6IZpIg+Ex8xCC0ChFBBGmo6UenA0Z8ywyLj0ToNwoWn5JYfchljUuczHGoILm3JgYhJjqM24lYyazjKInKMV0yvRo6DwkAs6rOg89rzZFcFgVy8vyBfgyxKojuHlrMY4EhnER9h45vIC6faYK+Y8qfBWn3p3fH8U04Os/ztz19g5mvcrU5wOPUcnMSeYdRqY0WlLHVB7HQKEjVV5EwwkJGQtmd1KAZ5wqW9TUMSVPF1OYDDR2l3h8v5A3YfL95AOXjefook8ZV8xIHRR4O5XLypvINTMWA0+djuh1nIolECgrNlJJlxqnUhSaT8XKMkNHIWeMKRUkTwMItRtnxdAV7nd7Jw6Mp9P+UZ3Fqly2/0VoW03btqq1Bzs7yE0yHqQx0mlhvUydB2t3J9w/p+Lboi4aqtN/0vDlHDlQEHhXIQBP0XtBv0xx9jMaTiv0R6mYLcsSd6aI3VzMbkTEkGkrlGOWaQBQPI04+aB3YJCgBBjDWeCGznk5vfTlSsTgGBWpTjpK0AVz46Xvk2iOO2eFTTlyoZn2wjmcjmatjZQh6VQzT4UwYylPp6N5IwLPmJKCSdulb1Ta/E9CwqgCmyIPWG+sObnEet47P0IL/ZoWw5Q5Dv1V7LuxX/L35Lec3DBgD3eQ+8m7I/oiVlflu6R3Yd78Wq4IAeMZFoOWjsdRusvn7vv1pdKjauzHNlvRos0kGEF5OzNBaq0UU+PF6FZ40EfML7G7mN8hDhxge4X4ohTYekW64dknj4TXIOHGzAMBM2dQUCmaeuWioYLUxfEbwgXM8SOs8jm0Vf1I4I0+ZCIlZJ8GxZzifDzwjmB6LUSGhrJ5MlewGDWO2/nErajzjlbMtY1CGC6QST5+aD2BJQwLiFZqxpDyO8KzE+3q4R6TS7VsmwUEPIESH5ENMR3KiHGE9f0fcn/R/u7uT6p8zkAQHAAA&quot;"/>
     <we:property name="creatorSessionId" value="&quot;4b0b624e-447a-43c8-8bb9-5b4347f8f38b&quot;"/>
     <we:property name="creatorTenantId" value="&quot;24f92b38-aaa7-425c-8258-88112d02f424&quot;"/>
     <we:property name="creatorUserId" value="&quot;10032002E6B8B541&quot;"/>
@@ -3850,21 +3850,6 @@
 </file>
 
 <file path=customXml/item1.xml><?xml version="1.0" encoding="utf-8"?>
-<p:properties xmlns:p="http://schemas.microsoft.com/office/2006/metadata/properties" xmlns:xsi="http://www.w3.org/2001/XMLSchema-instance" xmlns:pc="http://schemas.microsoft.com/office/infopath/2007/PartnerControls">
-  <documentManagement/>
-</p:properties>
-</file>
-
-<file path=customXml/item2.xml><?xml version="1.0" encoding="utf-8"?>
-<?mso-contentType ?>
-<FormTemplates xmlns="http://schemas.microsoft.com/sharepoint/v3/contenttype/forms">
-  <Display>DocumentLibraryForm</Display>
-  <Edit>DocumentLibraryForm</Edit>
-  <New>DocumentLibraryForm</New>
-</FormTemplates>
-</file>
-
-<file path=customXml/item3.xml><?xml version="1.0" encoding="utf-8"?>
 <ct:contentTypeSchema xmlns:ct="http://schemas.microsoft.com/office/2006/metadata/contentType" xmlns:ma="http://schemas.microsoft.com/office/2006/metadata/properties/metaAttributes" ct:_="" ma:_="" ma:contentTypeName="Document" ma:contentTypeID="0x010100A848948286BBC34A9444351277DA7DBD" ma:contentTypeVersion="3" ma:contentTypeDescription="Create a new document." ma:contentTypeScope="" ma:versionID="f91693fa184ca58b2dfab07b3197b4ee">
   <xsd:schema xmlns:xsd="http://www.w3.org/2001/XMLSchema" xmlns:xs="http://www.w3.org/2001/XMLSchema" xmlns:p="http://schemas.microsoft.com/office/2006/metadata/properties" xmlns:ns3="461d1e4e-7615-4944-b016-d0ed040d8065" targetNamespace="http://schemas.microsoft.com/office/2006/metadata/properties" ma:root="true" ma:fieldsID="02af60f248baa04ca056c518b08ec0f8" ns3:_="">
     <xsd:import namespace="461d1e4e-7615-4944-b016-d0ed040d8065"/>
@@ -4002,31 +3987,22 @@
 </ct:contentTypeSchema>
 </file>
 
-<file path=customXml/itemProps1.xml><?xml version="1.0" encoding="utf-8"?>
-<ds:datastoreItem xmlns:ds="http://schemas.openxmlformats.org/officeDocument/2006/customXml" ds:itemID="{617AB1FA-2F28-4684-9230-02ACEB6C0B0A}">
-  <ds:schemaRefs>
-    <ds:schemaRef ds:uri="http://purl.org/dc/elements/1.1/"/>
-    <ds:schemaRef ds:uri="http://purl.org/dc/terms/"/>
-    <ds:schemaRef ds:uri="http://purl.org/dc/dcmitype/"/>
-    <ds:schemaRef ds:uri="http://schemas.microsoft.com/office/2006/metadata/properties"/>
-    <ds:schemaRef ds:uri="http://schemas.microsoft.com/office/2006/documentManagement/types"/>
-    <ds:schemaRef ds:uri="http://schemas.microsoft.com/office/infopath/2007/PartnerControls"/>
-    <ds:schemaRef ds:uri="http://schemas.openxmlformats.org/package/2006/metadata/core-properties"/>
-    <ds:schemaRef ds:uri="461d1e4e-7615-4944-b016-d0ed040d8065"/>
-    <ds:schemaRef ds:uri="http://www.w3.org/XML/1998/namespace"/>
-  </ds:schemaRefs>
-</ds:datastoreItem>
+<file path=customXml/item2.xml><?xml version="1.0" encoding="utf-8"?>
+<?mso-contentType ?>
+<FormTemplates xmlns="http://schemas.microsoft.com/sharepoint/v3/contenttype/forms">
+  <Display>DocumentLibraryForm</Display>
+  <Edit>DocumentLibraryForm</Edit>
+  <New>DocumentLibraryForm</New>
+</FormTemplates>
 </file>
 
-<file path=customXml/itemProps2.xml><?xml version="1.0" encoding="utf-8"?>
-<ds:datastoreItem xmlns:ds="http://schemas.openxmlformats.org/officeDocument/2006/customXml" ds:itemID="{E21AFCC0-734A-4A90-A597-A1CB34860DCD}">
-  <ds:schemaRefs>
-    <ds:schemaRef ds:uri="http://schemas.microsoft.com/sharepoint/v3/contenttype/forms"/>
-  </ds:schemaRefs>
-</ds:datastoreItem>
+<file path=customXml/item3.xml><?xml version="1.0" encoding="utf-8"?>
+<p:properties xmlns:p="http://schemas.microsoft.com/office/2006/metadata/properties" xmlns:xsi="http://www.w3.org/2001/XMLSchema-instance" xmlns:pc="http://schemas.microsoft.com/office/infopath/2007/PartnerControls">
+  <documentManagement/>
+</p:properties>
 </file>
 
-<file path=customXml/itemProps3.xml><?xml version="1.0" encoding="utf-8"?>
+<file path=customXml/itemProps1.xml><?xml version="1.0" encoding="utf-8"?>
 <ds:datastoreItem xmlns:ds="http://schemas.openxmlformats.org/officeDocument/2006/customXml" ds:itemID="{F9FF33E5-CC0D-40E7-BCA2-E58F3AB81109}">
   <ds:schemaRefs>
     <ds:schemaRef ds:uri="http://schemas.microsoft.com/office/2006/metadata/contentType"/>
@@ -4042,4 +4018,28 @@
     <ds:schemaRef ds:uri="http://schemas.microsoft.com/internal/obd"/>
   </ds:schemaRefs>
 </ds:datastoreItem>
+</file>
+
+<file path=customXml/itemProps2.xml><?xml version="1.0" encoding="utf-8"?>
+<ds:datastoreItem xmlns:ds="http://schemas.openxmlformats.org/officeDocument/2006/customXml" ds:itemID="{E21AFCC0-734A-4A90-A597-A1CB34860DCD}">
+  <ds:schemaRefs>
+    <ds:schemaRef ds:uri="http://schemas.microsoft.com/sharepoint/v3/contenttype/forms"/>
+  </ds:schemaRefs>
+</ds:datastoreItem>
+</file>
+
+<file path=customXml/itemProps3.xml><?xml version="1.0" encoding="utf-8"?>
+<ds:datastoreItem xmlns:ds="http://schemas.openxmlformats.org/officeDocument/2006/customXml" ds:itemID="{617AB1FA-2F28-4684-9230-02ACEB6C0B0A}">
+  <ds:schemaRefs>
+    <ds:schemaRef ds:uri="http://purl.org/dc/elements/1.1/"/>
+    <ds:schemaRef ds:uri="http://purl.org/dc/terms/"/>
+    <ds:schemaRef ds:uri="http://purl.org/dc/dcmitype/"/>
+    <ds:schemaRef ds:uri="http://schemas.microsoft.com/office/2006/metadata/properties"/>
+    <ds:schemaRef ds:uri="http://schemas.microsoft.com/office/2006/documentManagement/types"/>
+    <ds:schemaRef ds:uri="http://schemas.microsoft.com/office/infopath/2007/PartnerControls"/>
+    <ds:schemaRef ds:uri="http://schemas.openxmlformats.org/package/2006/metadata/core-properties"/>
+    <ds:schemaRef ds:uri="461d1e4e-7615-4944-b016-d0ed040d8065"/>
+    <ds:schemaRef ds:uri="http://www.w3.org/XML/1998/namespace"/>
+  </ds:schemaRefs>
+</ds:datastoreItem>
 </file>